--- a/Clustering Results Word Doc/Mutant1_150_Norm_Analysis_K4.pptx
+++ b/Clustering Results Word Doc/Mutant1_150_Norm_Analysis_K4.pptx
@@ -9,6 +9,7 @@
     <p:sldId id="257" r:id="rId3"/>
     <p:sldId id="258" r:id="rId4"/>
     <p:sldId id="259" r:id="rId5"/>
+    <p:sldId id="260" r:id="rId6"/>
   </p:sldIdLst>
   <p:sldSz cx="9144000" cy="6858000" type="screen4x3"/>
   <p:notesSz cx="6858000" cy="9144000"/>
@@ -291,6 +292,7 @@
           <a:p>
             <a:fld id="{BF66009A-E4E6-4C74-9833-A8260B81191C}" type="datetimeFigureOut">
               <a:rPr lang="en-US" smtClean="0"/>
+              <a:pPr/>
               <a:t>2/5/2015</a:t>
             </a:fld>
             <a:endParaRPr lang="en-US"/>
@@ -333,6 +335,7 @@
           <a:p>
             <a:fld id="{BDA69BE6-CFB0-476F-8362-FA0CE80D401C}" type="slidenum">
               <a:rPr lang="en-US" smtClean="0"/>
+              <a:pPr/>
               <a:t>‹#›</a:t>
             </a:fld>
             <a:endParaRPr lang="en-US"/>
@@ -456,6 +459,7 @@
           <a:p>
             <a:fld id="{BF66009A-E4E6-4C74-9833-A8260B81191C}" type="datetimeFigureOut">
               <a:rPr lang="en-US" smtClean="0"/>
+              <a:pPr/>
               <a:t>2/5/2015</a:t>
             </a:fld>
             <a:endParaRPr lang="en-US"/>
@@ -498,6 +502,7 @@
           <a:p>
             <a:fld id="{BDA69BE6-CFB0-476F-8362-FA0CE80D401C}" type="slidenum">
               <a:rPr lang="en-US" smtClean="0"/>
+              <a:pPr/>
               <a:t>‹#›</a:t>
             </a:fld>
             <a:endParaRPr lang="en-US"/>
@@ -631,6 +636,7 @@
           <a:p>
             <a:fld id="{BF66009A-E4E6-4C74-9833-A8260B81191C}" type="datetimeFigureOut">
               <a:rPr lang="en-US" smtClean="0"/>
+              <a:pPr/>
               <a:t>2/5/2015</a:t>
             </a:fld>
             <a:endParaRPr lang="en-US"/>
@@ -673,6 +679,7 @@
           <a:p>
             <a:fld id="{BDA69BE6-CFB0-476F-8362-FA0CE80D401C}" type="slidenum">
               <a:rPr lang="en-US" smtClean="0"/>
+              <a:pPr/>
               <a:t>‹#›</a:t>
             </a:fld>
             <a:endParaRPr lang="en-US"/>
@@ -796,6 +803,7 @@
           <a:p>
             <a:fld id="{BF66009A-E4E6-4C74-9833-A8260B81191C}" type="datetimeFigureOut">
               <a:rPr lang="en-US" smtClean="0"/>
+              <a:pPr/>
               <a:t>2/5/2015</a:t>
             </a:fld>
             <a:endParaRPr lang="en-US"/>
@@ -838,6 +846,7 @@
           <a:p>
             <a:fld id="{BDA69BE6-CFB0-476F-8362-FA0CE80D401C}" type="slidenum">
               <a:rPr lang="en-US" smtClean="0"/>
+              <a:pPr/>
               <a:t>‹#›</a:t>
             </a:fld>
             <a:endParaRPr lang="en-US"/>
@@ -1037,6 +1046,7 @@
           <a:p>
             <a:fld id="{BF66009A-E4E6-4C74-9833-A8260B81191C}" type="datetimeFigureOut">
               <a:rPr lang="en-US" smtClean="0"/>
+              <a:pPr/>
               <a:t>2/5/2015</a:t>
             </a:fld>
             <a:endParaRPr lang="en-US"/>
@@ -1079,6 +1089,7 @@
           <a:p>
             <a:fld id="{BDA69BE6-CFB0-476F-8362-FA0CE80D401C}" type="slidenum">
               <a:rPr lang="en-US" smtClean="0"/>
+              <a:pPr/>
               <a:t>‹#›</a:t>
             </a:fld>
             <a:endParaRPr lang="en-US"/>
@@ -1320,6 +1331,7 @@
           <a:p>
             <a:fld id="{BF66009A-E4E6-4C74-9833-A8260B81191C}" type="datetimeFigureOut">
               <a:rPr lang="en-US" smtClean="0"/>
+              <a:pPr/>
               <a:t>2/5/2015</a:t>
             </a:fld>
             <a:endParaRPr lang="en-US"/>
@@ -1362,6 +1374,7 @@
           <a:p>
             <a:fld id="{BDA69BE6-CFB0-476F-8362-FA0CE80D401C}" type="slidenum">
               <a:rPr lang="en-US" smtClean="0"/>
+              <a:pPr/>
               <a:t>‹#›</a:t>
             </a:fld>
             <a:endParaRPr lang="en-US"/>
@@ -1737,6 +1750,7 @@
           <a:p>
             <a:fld id="{BF66009A-E4E6-4C74-9833-A8260B81191C}" type="datetimeFigureOut">
               <a:rPr lang="en-US" smtClean="0"/>
+              <a:pPr/>
               <a:t>2/5/2015</a:t>
             </a:fld>
             <a:endParaRPr lang="en-US"/>
@@ -1779,6 +1793,7 @@
           <a:p>
             <a:fld id="{BDA69BE6-CFB0-476F-8362-FA0CE80D401C}" type="slidenum">
               <a:rPr lang="en-US" smtClean="0"/>
+              <a:pPr/>
               <a:t>‹#›</a:t>
             </a:fld>
             <a:endParaRPr lang="en-US"/>
@@ -1850,6 +1865,7 @@
           <a:p>
             <a:fld id="{BF66009A-E4E6-4C74-9833-A8260B81191C}" type="datetimeFigureOut">
               <a:rPr lang="en-US" smtClean="0"/>
+              <a:pPr/>
               <a:t>2/5/2015</a:t>
             </a:fld>
             <a:endParaRPr lang="en-US"/>
@@ -1892,6 +1908,7 @@
           <a:p>
             <a:fld id="{BDA69BE6-CFB0-476F-8362-FA0CE80D401C}" type="slidenum">
               <a:rPr lang="en-US" smtClean="0"/>
+              <a:pPr/>
               <a:t>‹#›</a:t>
             </a:fld>
             <a:endParaRPr lang="en-US"/>
@@ -1940,6 +1957,7 @@
           <a:p>
             <a:fld id="{BF66009A-E4E6-4C74-9833-A8260B81191C}" type="datetimeFigureOut">
               <a:rPr lang="en-US" smtClean="0"/>
+              <a:pPr/>
               <a:t>2/5/2015</a:t>
             </a:fld>
             <a:endParaRPr lang="en-US"/>
@@ -1982,6 +2000,7 @@
           <a:p>
             <a:fld id="{BDA69BE6-CFB0-476F-8362-FA0CE80D401C}" type="slidenum">
               <a:rPr lang="en-US" smtClean="0"/>
+              <a:pPr/>
               <a:t>‹#›</a:t>
             </a:fld>
             <a:endParaRPr lang="en-US"/>
@@ -2212,6 +2231,7 @@
           <a:p>
             <a:fld id="{BF66009A-E4E6-4C74-9833-A8260B81191C}" type="datetimeFigureOut">
               <a:rPr lang="en-US" smtClean="0"/>
+              <a:pPr/>
               <a:t>2/5/2015</a:t>
             </a:fld>
             <a:endParaRPr lang="en-US"/>
@@ -2254,6 +2274,7 @@
           <a:p>
             <a:fld id="{BDA69BE6-CFB0-476F-8362-FA0CE80D401C}" type="slidenum">
               <a:rPr lang="en-US" smtClean="0"/>
+              <a:pPr/>
               <a:t>‹#›</a:t>
             </a:fld>
             <a:endParaRPr lang="en-US"/>
@@ -2460,6 +2481,7 @@
           <a:p>
             <a:fld id="{BF66009A-E4E6-4C74-9833-A8260B81191C}" type="datetimeFigureOut">
               <a:rPr lang="en-US" smtClean="0"/>
+              <a:pPr/>
               <a:t>2/5/2015</a:t>
             </a:fld>
             <a:endParaRPr lang="en-US"/>
@@ -2502,6 +2524,7 @@
           <a:p>
             <a:fld id="{BDA69BE6-CFB0-476F-8362-FA0CE80D401C}" type="slidenum">
               <a:rPr lang="en-US" smtClean="0"/>
+              <a:pPr/>
               <a:t>‹#›</a:t>
             </a:fld>
             <a:endParaRPr lang="en-US"/>
@@ -2668,6 +2691,7 @@
           <a:p>
             <a:fld id="{BF66009A-E4E6-4C74-9833-A8260B81191C}" type="datetimeFigureOut">
               <a:rPr lang="en-US" smtClean="0"/>
+              <a:pPr/>
               <a:t>2/5/2015</a:t>
             </a:fld>
             <a:endParaRPr lang="en-US"/>
@@ -2746,6 +2770,7 @@
           <a:p>
             <a:fld id="{BDA69BE6-CFB0-476F-8362-FA0CE80D401C}" type="slidenum">
               <a:rPr lang="en-US" smtClean="0"/>
+              <a:pPr/>
               <a:t>‹#›</a:t>
             </a:fld>
             <a:endParaRPr lang="en-US"/>
@@ -3993,6 +4018,91 @@
 </p:sld>
 </file>
 
+<file path=ppt/slides/slide5.xml><?xml version="1.0" encoding="utf-8"?>
+<p:sld xmlns:a="http://schemas.openxmlformats.org/drawingml/2006/main" xmlns:r="http://schemas.openxmlformats.org/officeDocument/2006/relationships" xmlns:p="http://schemas.openxmlformats.org/presentationml/2006/main">
+  <p:cSld>
+    <p:spTree>
+      <p:nvGrpSpPr>
+        <p:cNvPr id="1" name=""/>
+        <p:cNvGrpSpPr/>
+        <p:nvPr/>
+      </p:nvGrpSpPr>
+      <p:grpSpPr>
+        <a:xfrm>
+          <a:off x="0" y="0"/>
+          <a:ext cx="0" cy="0"/>
+          <a:chOff x="0" y="0"/>
+          <a:chExt cx="0" cy="0"/>
+        </a:xfrm>
+      </p:grpSpPr>
+      <p:sp>
+        <p:nvSpPr>
+          <p:cNvPr id="2" name="TextBox 1"/>
+          <p:cNvSpPr txBox="1"/>
+          <p:nvPr/>
+        </p:nvSpPr>
+        <p:spPr>
+          <a:xfrm>
+            <a:off x="838200" y="0"/>
+            <a:ext cx="1994329" cy="369332"/>
+          </a:xfrm>
+          <a:prstGeom prst="rect">
+            <a:avLst/>
+          </a:prstGeom>
+          <a:noFill/>
+        </p:spPr>
+        <p:txBody>
+          <a:bodyPr wrap="none" rtlCol="0">
+            <a:spAutoFit/>
+          </a:bodyPr>
+          <a:lstStyle/>
+          <a:p>
+            <a:r>
+              <a:rPr lang="en-US" dirty="0" smtClean="0"/>
+              <a:t>Mutant1 Norm 150</a:t>
+            </a:r>
+            <a:endParaRPr lang="en-US" dirty="0"/>
+          </a:p>
+        </p:txBody>
+      </p:sp>
+      <p:pic>
+        <p:nvPicPr>
+          <p:cNvPr id="3" name="Picture 2"/>
+          <p:cNvPicPr/>
+          <p:nvPr/>
+        </p:nvPicPr>
+        <p:blipFill>
+          <a:blip r:embed="rId2"/>
+          <a:srcRect t="66561" r="28254" b="7643"/>
+          <a:stretch>
+            <a:fillRect/>
+          </a:stretch>
+        </p:blipFill>
+        <p:spPr bwMode="auto">
+          <a:xfrm>
+            <a:off x="457200" y="609600"/>
+            <a:ext cx="6996224" cy="1412466"/>
+          </a:xfrm>
+          <a:prstGeom prst="rect">
+            <a:avLst/>
+          </a:prstGeom>
+          <a:noFill/>
+          <a:ln w="9525">
+            <a:noFill/>
+            <a:miter lim="800000"/>
+            <a:headEnd/>
+            <a:tailEnd/>
+          </a:ln>
+        </p:spPr>
+      </p:pic>
+    </p:spTree>
+  </p:cSld>
+  <p:clrMapOvr>
+    <a:masterClrMapping/>
+  </p:clrMapOvr>
+</p:sld>
+</file>
+
 <file path=ppt/theme/theme1.xml><?xml version="1.0" encoding="utf-8"?>
 <a:theme xmlns:a="http://schemas.openxmlformats.org/drawingml/2006/main" name="Office Theme">
   <a:themeElements>

--- a/Clustering Results Word Doc/Mutant1_150_Norm_Analysis_K4.pptx
+++ b/Clustering Results Word Doc/Mutant1_150_Norm_Analysis_K4.pptx
@@ -9,7 +9,10 @@
     <p:sldId id="257" r:id="rId3"/>
     <p:sldId id="258" r:id="rId4"/>
     <p:sldId id="259" r:id="rId5"/>
-    <p:sldId id="260" r:id="rId6"/>
+    <p:sldId id="261" r:id="rId6"/>
+    <p:sldId id="262" r:id="rId7"/>
+    <p:sldId id="263" r:id="rId8"/>
+    <p:sldId id="260" r:id="rId9"/>
   </p:sldIdLst>
   <p:sldSz cx="9144000" cy="6858000" type="screen4x3"/>
   <p:notesSz cx="6858000" cy="9144000"/>
@@ -293,7 +296,7 @@
             <a:fld id="{BF66009A-E4E6-4C74-9833-A8260B81191C}" type="datetimeFigureOut">
               <a:rPr lang="en-US" smtClean="0"/>
               <a:pPr/>
-              <a:t>2/5/2015</a:t>
+              <a:t>2/8/2015</a:t>
             </a:fld>
             <a:endParaRPr lang="en-US"/>
           </a:p>
@@ -460,7 +463,7 @@
             <a:fld id="{BF66009A-E4E6-4C74-9833-A8260B81191C}" type="datetimeFigureOut">
               <a:rPr lang="en-US" smtClean="0"/>
               <a:pPr/>
-              <a:t>2/5/2015</a:t>
+              <a:t>2/8/2015</a:t>
             </a:fld>
             <a:endParaRPr lang="en-US"/>
           </a:p>
@@ -637,7 +640,7 @@
             <a:fld id="{BF66009A-E4E6-4C74-9833-A8260B81191C}" type="datetimeFigureOut">
               <a:rPr lang="en-US" smtClean="0"/>
               <a:pPr/>
-              <a:t>2/5/2015</a:t>
+              <a:t>2/8/2015</a:t>
             </a:fld>
             <a:endParaRPr lang="en-US"/>
           </a:p>
@@ -804,7 +807,7 @@
             <a:fld id="{BF66009A-E4E6-4C74-9833-A8260B81191C}" type="datetimeFigureOut">
               <a:rPr lang="en-US" smtClean="0"/>
               <a:pPr/>
-              <a:t>2/5/2015</a:t>
+              <a:t>2/8/2015</a:t>
             </a:fld>
             <a:endParaRPr lang="en-US"/>
           </a:p>
@@ -1047,7 +1050,7 @@
             <a:fld id="{BF66009A-E4E6-4C74-9833-A8260B81191C}" type="datetimeFigureOut">
               <a:rPr lang="en-US" smtClean="0"/>
               <a:pPr/>
-              <a:t>2/5/2015</a:t>
+              <a:t>2/8/2015</a:t>
             </a:fld>
             <a:endParaRPr lang="en-US"/>
           </a:p>
@@ -1332,7 +1335,7 @@
             <a:fld id="{BF66009A-E4E6-4C74-9833-A8260B81191C}" type="datetimeFigureOut">
               <a:rPr lang="en-US" smtClean="0"/>
               <a:pPr/>
-              <a:t>2/5/2015</a:t>
+              <a:t>2/8/2015</a:t>
             </a:fld>
             <a:endParaRPr lang="en-US"/>
           </a:p>
@@ -1751,7 +1754,7 @@
             <a:fld id="{BF66009A-E4E6-4C74-9833-A8260B81191C}" type="datetimeFigureOut">
               <a:rPr lang="en-US" smtClean="0"/>
               <a:pPr/>
-              <a:t>2/5/2015</a:t>
+              <a:t>2/8/2015</a:t>
             </a:fld>
             <a:endParaRPr lang="en-US"/>
           </a:p>
@@ -1866,7 +1869,7 @@
             <a:fld id="{BF66009A-E4E6-4C74-9833-A8260B81191C}" type="datetimeFigureOut">
               <a:rPr lang="en-US" smtClean="0"/>
               <a:pPr/>
-              <a:t>2/5/2015</a:t>
+              <a:t>2/8/2015</a:t>
             </a:fld>
             <a:endParaRPr lang="en-US"/>
           </a:p>
@@ -1958,7 +1961,7 @@
             <a:fld id="{BF66009A-E4E6-4C74-9833-A8260B81191C}" type="datetimeFigureOut">
               <a:rPr lang="en-US" smtClean="0"/>
               <a:pPr/>
-              <a:t>2/5/2015</a:t>
+              <a:t>2/8/2015</a:t>
             </a:fld>
             <a:endParaRPr lang="en-US"/>
           </a:p>
@@ -2232,7 +2235,7 @@
             <a:fld id="{BF66009A-E4E6-4C74-9833-A8260B81191C}" type="datetimeFigureOut">
               <a:rPr lang="en-US" smtClean="0"/>
               <a:pPr/>
-              <a:t>2/5/2015</a:t>
+              <a:t>2/8/2015</a:t>
             </a:fld>
             <a:endParaRPr lang="en-US"/>
           </a:p>
@@ -2482,7 +2485,7 @@
             <a:fld id="{BF66009A-E4E6-4C74-9833-A8260B81191C}" type="datetimeFigureOut">
               <a:rPr lang="en-US" smtClean="0"/>
               <a:pPr/>
-              <a:t>2/5/2015</a:t>
+              <a:t>2/8/2015</a:t>
             </a:fld>
             <a:endParaRPr lang="en-US"/>
           </a:p>
@@ -2692,7 +2695,7 @@
             <a:fld id="{BF66009A-E4E6-4C74-9833-A8260B81191C}" type="datetimeFigureOut">
               <a:rPr lang="en-US" smtClean="0"/>
               <a:pPr/>
-              <a:t>2/5/2015</a:t>
+              <a:t>2/8/2015</a:t>
             </a:fld>
             <a:endParaRPr lang="en-US"/>
           </a:p>
@@ -4015,6 +4018,13 @@
   <p:clrMapOvr>
     <a:masterClrMapping/>
   </p:clrMapOvr>
+  <p:timing>
+    <p:tnLst>
+      <p:par>
+        <p:cTn id="1" dur="indefinite" restart="never" nodeType="tmRoot"/>
+      </p:par>
+    </p:tnLst>
+  </p:timing>
 </p:sld>
 </file>
 
@@ -4035,6 +4045,756 @@
           <a:chExt cx="0" cy="0"/>
         </a:xfrm>
       </p:grpSpPr>
+      <p:pic>
+        <p:nvPicPr>
+          <p:cNvPr id="2" name="Picture 1"/>
+          <p:cNvPicPr/>
+          <p:nvPr/>
+        </p:nvPicPr>
+        <p:blipFill>
+          <a:blip r:embed="rId2"/>
+          <a:srcRect l="1647" t="6051" r="5899" b="60191"/>
+          <a:stretch>
+            <a:fillRect/>
+          </a:stretch>
+        </p:blipFill>
+        <p:spPr bwMode="auto">
+          <a:xfrm>
+            <a:off x="4495800" y="762000"/>
+            <a:ext cx="4648200" cy="1447800"/>
+          </a:xfrm>
+          <a:prstGeom prst="rect">
+            <a:avLst/>
+          </a:prstGeom>
+          <a:noFill/>
+          <a:ln w="9525">
+            <a:noFill/>
+            <a:miter lim="800000"/>
+            <a:headEnd/>
+            <a:tailEnd/>
+          </a:ln>
+        </p:spPr>
+      </p:pic>
+      <p:pic>
+        <p:nvPicPr>
+          <p:cNvPr id="3" name="Picture 2"/>
+          <p:cNvPicPr/>
+          <p:nvPr/>
+        </p:nvPicPr>
+        <p:blipFill>
+          <a:blip r:embed="rId3"/>
+          <a:srcRect l="1647" t="7325" r="6934" b="60191"/>
+          <a:stretch>
+            <a:fillRect/>
+          </a:stretch>
+        </p:blipFill>
+        <p:spPr bwMode="auto">
+          <a:xfrm>
+            <a:off x="4572000" y="2667000"/>
+            <a:ext cx="4572000" cy="1447800"/>
+          </a:xfrm>
+          <a:prstGeom prst="rect">
+            <a:avLst/>
+          </a:prstGeom>
+          <a:noFill/>
+          <a:ln w="9525">
+            <a:noFill/>
+            <a:miter lim="800000"/>
+            <a:headEnd/>
+            <a:tailEnd/>
+          </a:ln>
+        </p:spPr>
+      </p:pic>
+      <p:pic>
+        <p:nvPicPr>
+          <p:cNvPr id="4" name="Picture 3"/>
+          <p:cNvPicPr/>
+          <p:nvPr/>
+        </p:nvPicPr>
+        <p:blipFill>
+          <a:blip r:embed="rId4"/>
+          <a:srcRect l="1289" t="5733" r="3895" b="58280"/>
+          <a:stretch>
+            <a:fillRect/>
+          </a:stretch>
+        </p:blipFill>
+        <p:spPr bwMode="auto">
+          <a:xfrm>
+            <a:off x="4572000" y="4572000"/>
+            <a:ext cx="4572000" cy="1524000"/>
+          </a:xfrm>
+          <a:prstGeom prst="rect">
+            <a:avLst/>
+          </a:prstGeom>
+          <a:noFill/>
+          <a:ln w="9525">
+            <a:noFill/>
+            <a:miter lim="800000"/>
+            <a:headEnd/>
+            <a:tailEnd/>
+          </a:ln>
+        </p:spPr>
+      </p:pic>
+      <p:sp>
+        <p:nvSpPr>
+          <p:cNvPr id="5" name="TextBox 4"/>
+          <p:cNvSpPr txBox="1"/>
+          <p:nvPr/>
+        </p:nvSpPr>
+        <p:spPr>
+          <a:xfrm>
+            <a:off x="-304800" y="0"/>
+            <a:ext cx="9144000" cy="400110"/>
+          </a:xfrm>
+          <a:prstGeom prst="rect">
+            <a:avLst/>
+          </a:prstGeom>
+          <a:noFill/>
+        </p:spPr>
+        <p:txBody>
+          <a:bodyPr wrap="square" rtlCol="0">
+            <a:spAutoFit/>
+          </a:bodyPr>
+          <a:lstStyle/>
+          <a:p>
+            <a:r>
+              <a:rPr lang="en-US" sz="2000" dirty="0" smtClean="0"/>
+              <a:t>       CD11c  CD25  CD31  CD205  Claud5  Claud34  Foxp3  K5  K14  </a:t>
+            </a:r>
+            <a:r>
+              <a:rPr lang="en-US" sz="2000" dirty="0" err="1" smtClean="0"/>
+              <a:t>PDGFRb</a:t>
+            </a:r>
+            <a:r>
+              <a:rPr lang="en-US" sz="2000" dirty="0" smtClean="0"/>
+              <a:t>  UEA1</a:t>
+            </a:r>
+            <a:endParaRPr lang="en-US" sz="2000" dirty="0"/>
+          </a:p>
+        </p:txBody>
+      </p:sp>
+      <p:pic>
+        <p:nvPicPr>
+          <p:cNvPr id="6" name="Picture 5"/>
+          <p:cNvPicPr/>
+          <p:nvPr/>
+        </p:nvPicPr>
+        <p:blipFill>
+          <a:blip r:embed="rId5"/>
+          <a:srcRect l="1468" t="6444" r="49832" b="49893"/>
+          <a:stretch>
+            <a:fillRect/>
+          </a:stretch>
+        </p:blipFill>
+        <p:spPr bwMode="auto">
+          <a:xfrm>
+            <a:off x="381000" y="685800"/>
+            <a:ext cx="3200400" cy="1676400"/>
+          </a:xfrm>
+          <a:prstGeom prst="rect">
+            <a:avLst/>
+          </a:prstGeom>
+          <a:noFill/>
+          <a:ln w="9525">
+            <a:noFill/>
+            <a:miter lim="800000"/>
+            <a:headEnd/>
+            <a:tailEnd/>
+          </a:ln>
+        </p:spPr>
+      </p:pic>
+      <p:pic>
+        <p:nvPicPr>
+          <p:cNvPr id="7" name="Picture 6"/>
+          <p:cNvPicPr/>
+          <p:nvPr/>
+        </p:nvPicPr>
+        <p:blipFill>
+          <a:blip r:embed="rId6"/>
+          <a:srcRect l="1289" t="50425" r="48748" b="6369"/>
+          <a:stretch>
+            <a:fillRect/>
+          </a:stretch>
+        </p:blipFill>
+        <p:spPr bwMode="auto">
+          <a:xfrm>
+            <a:off x="457200" y="2590800"/>
+            <a:ext cx="3276600" cy="1600200"/>
+          </a:xfrm>
+          <a:prstGeom prst="rect">
+            <a:avLst/>
+          </a:prstGeom>
+          <a:noFill/>
+          <a:ln w="9525">
+            <a:noFill/>
+            <a:miter lim="800000"/>
+            <a:headEnd/>
+            <a:tailEnd/>
+          </a:ln>
+        </p:spPr>
+      </p:pic>
+      <p:pic>
+        <p:nvPicPr>
+          <p:cNvPr id="8" name="Picture 7"/>
+          <p:cNvPicPr/>
+          <p:nvPr/>
+        </p:nvPicPr>
+        <p:blipFill>
+          <a:blip r:embed="rId7"/>
+          <a:srcRect l="49047" t="4459" b="50371"/>
+          <a:stretch>
+            <a:fillRect/>
+          </a:stretch>
+        </p:blipFill>
+        <p:spPr bwMode="auto">
+          <a:xfrm>
+            <a:off x="457200" y="4343400"/>
+            <a:ext cx="3581400" cy="1752600"/>
+          </a:xfrm>
+          <a:prstGeom prst="rect">
+            <a:avLst/>
+          </a:prstGeom>
+          <a:noFill/>
+          <a:ln w="9525">
+            <a:noFill/>
+            <a:miter lim="800000"/>
+            <a:headEnd/>
+            <a:tailEnd/>
+          </a:ln>
+        </p:spPr>
+      </p:pic>
+    </p:spTree>
+  </p:cSld>
+  <p:clrMapOvr>
+    <a:masterClrMapping/>
+  </p:clrMapOvr>
+  <p:timing>
+    <p:tnLst>
+      <p:par>
+        <p:cTn id="1" dur="indefinite" restart="never" nodeType="tmRoot"/>
+      </p:par>
+    </p:tnLst>
+  </p:timing>
+</p:sld>
+</file>
+
+<file path=ppt/slides/slide6.xml><?xml version="1.0" encoding="utf-8"?>
+<p:sld xmlns:a="http://schemas.openxmlformats.org/drawingml/2006/main" xmlns:r="http://schemas.openxmlformats.org/officeDocument/2006/relationships" xmlns:p="http://schemas.openxmlformats.org/presentationml/2006/main">
+  <p:cSld>
+    <p:spTree>
+      <p:nvGrpSpPr>
+        <p:cNvPr id="1" name=""/>
+        <p:cNvGrpSpPr/>
+        <p:nvPr/>
+      </p:nvGrpSpPr>
+      <p:grpSpPr>
+        <a:xfrm>
+          <a:off x="0" y="0"/>
+          <a:ext cx="0" cy="0"/>
+          <a:chOff x="0" y="0"/>
+          <a:chExt cx="0" cy="0"/>
+        </a:xfrm>
+      </p:grpSpPr>
+      <p:pic>
+        <p:nvPicPr>
+          <p:cNvPr id="2" name="Picture 1"/>
+          <p:cNvPicPr/>
+          <p:nvPr/>
+        </p:nvPicPr>
+        <p:blipFill>
+          <a:blip r:embed="rId2"/>
+          <a:srcRect l="1647" t="6051" r="5899" b="60191"/>
+          <a:stretch>
+            <a:fillRect/>
+          </a:stretch>
+        </p:blipFill>
+        <p:spPr bwMode="auto">
+          <a:xfrm>
+            <a:off x="4495800" y="762000"/>
+            <a:ext cx="4648200" cy="1447800"/>
+          </a:xfrm>
+          <a:prstGeom prst="rect">
+            <a:avLst/>
+          </a:prstGeom>
+          <a:noFill/>
+          <a:ln w="9525">
+            <a:noFill/>
+            <a:miter lim="800000"/>
+            <a:headEnd/>
+            <a:tailEnd/>
+          </a:ln>
+        </p:spPr>
+      </p:pic>
+      <p:pic>
+        <p:nvPicPr>
+          <p:cNvPr id="3" name="Picture 2"/>
+          <p:cNvPicPr/>
+          <p:nvPr/>
+        </p:nvPicPr>
+        <p:blipFill>
+          <a:blip r:embed="rId3"/>
+          <a:srcRect l="1647" t="7325" r="6934" b="60191"/>
+          <a:stretch>
+            <a:fillRect/>
+          </a:stretch>
+        </p:blipFill>
+        <p:spPr bwMode="auto">
+          <a:xfrm>
+            <a:off x="4572000" y="2667000"/>
+            <a:ext cx="4572000" cy="1447800"/>
+          </a:xfrm>
+          <a:prstGeom prst="rect">
+            <a:avLst/>
+          </a:prstGeom>
+          <a:noFill/>
+          <a:ln w="9525">
+            <a:noFill/>
+            <a:miter lim="800000"/>
+            <a:headEnd/>
+            <a:tailEnd/>
+          </a:ln>
+        </p:spPr>
+      </p:pic>
+      <p:pic>
+        <p:nvPicPr>
+          <p:cNvPr id="4" name="Picture 3"/>
+          <p:cNvPicPr/>
+          <p:nvPr/>
+        </p:nvPicPr>
+        <p:blipFill>
+          <a:blip r:embed="rId4"/>
+          <a:srcRect l="1289" t="5733" r="3895" b="58280"/>
+          <a:stretch>
+            <a:fillRect/>
+          </a:stretch>
+        </p:blipFill>
+        <p:spPr bwMode="auto">
+          <a:xfrm>
+            <a:off x="4572000" y="4572000"/>
+            <a:ext cx="4572000" cy="1524000"/>
+          </a:xfrm>
+          <a:prstGeom prst="rect">
+            <a:avLst/>
+          </a:prstGeom>
+          <a:noFill/>
+          <a:ln w="9525">
+            <a:noFill/>
+            <a:miter lim="800000"/>
+            <a:headEnd/>
+            <a:tailEnd/>
+          </a:ln>
+        </p:spPr>
+      </p:pic>
+      <p:sp>
+        <p:nvSpPr>
+          <p:cNvPr id="5" name="TextBox 4"/>
+          <p:cNvSpPr txBox="1"/>
+          <p:nvPr/>
+        </p:nvSpPr>
+        <p:spPr>
+          <a:xfrm>
+            <a:off x="-304800" y="0"/>
+            <a:ext cx="9144000" cy="400110"/>
+          </a:xfrm>
+          <a:prstGeom prst="rect">
+            <a:avLst/>
+          </a:prstGeom>
+          <a:noFill/>
+        </p:spPr>
+        <p:txBody>
+          <a:bodyPr wrap="square" rtlCol="0">
+            <a:spAutoFit/>
+          </a:bodyPr>
+          <a:lstStyle/>
+          <a:p>
+            <a:r>
+              <a:rPr lang="en-US" sz="2000" dirty="0" smtClean="0"/>
+              <a:t>       CD11c  CD25  CD31  CD205  Claud5  Claud34  Foxp3  K5  K14  </a:t>
+            </a:r>
+            <a:r>
+              <a:rPr lang="en-US" sz="2000" dirty="0" err="1" smtClean="0"/>
+              <a:t>PDGFRb</a:t>
+            </a:r>
+            <a:r>
+              <a:rPr lang="en-US" sz="2000" dirty="0" smtClean="0"/>
+              <a:t>  UEA1</a:t>
+            </a:r>
+            <a:endParaRPr lang="en-US" sz="2000" dirty="0"/>
+          </a:p>
+        </p:txBody>
+      </p:sp>
+      <p:pic>
+        <p:nvPicPr>
+          <p:cNvPr id="6" name="Picture 5"/>
+          <p:cNvPicPr/>
+          <p:nvPr/>
+        </p:nvPicPr>
+        <p:blipFill>
+          <a:blip r:embed="rId5"/>
+          <a:srcRect l="1468" t="47824" r="49832" b="6369"/>
+          <a:stretch>
+            <a:fillRect/>
+          </a:stretch>
+        </p:blipFill>
+        <p:spPr bwMode="auto">
+          <a:xfrm>
+            <a:off x="457200" y="609600"/>
+            <a:ext cx="3276600" cy="1752600"/>
+          </a:xfrm>
+          <a:prstGeom prst="rect">
+            <a:avLst/>
+          </a:prstGeom>
+          <a:noFill/>
+          <a:ln w="9525">
+            <a:noFill/>
+            <a:miter lim="800000"/>
+            <a:headEnd/>
+            <a:tailEnd/>
+          </a:ln>
+        </p:spPr>
+      </p:pic>
+      <p:pic>
+        <p:nvPicPr>
+          <p:cNvPr id="7" name="Picture 6"/>
+          <p:cNvPicPr/>
+          <p:nvPr/>
+        </p:nvPicPr>
+        <p:blipFill>
+          <a:blip r:embed="rId6"/>
+          <a:srcRect l="49970" t="4777" b="47293"/>
+          <a:stretch>
+            <a:fillRect/>
+          </a:stretch>
+        </p:blipFill>
+        <p:spPr bwMode="auto">
+          <a:xfrm>
+            <a:off x="533400" y="2819400"/>
+            <a:ext cx="3276600" cy="1752600"/>
+          </a:xfrm>
+          <a:prstGeom prst="rect">
+            <a:avLst/>
+          </a:prstGeom>
+          <a:noFill/>
+          <a:ln w="9525">
+            <a:noFill/>
+            <a:miter lim="800000"/>
+            <a:headEnd/>
+            <a:tailEnd/>
+          </a:ln>
+        </p:spPr>
+      </p:pic>
+      <p:pic>
+        <p:nvPicPr>
+          <p:cNvPr id="8" name="Picture 7"/>
+          <p:cNvPicPr/>
+          <p:nvPr/>
+        </p:nvPicPr>
+        <p:blipFill>
+          <a:blip r:embed="rId7"/>
+          <a:srcRect l="1647" t="44162" r="49176" b="7006"/>
+          <a:stretch>
+            <a:fillRect/>
+          </a:stretch>
+        </p:blipFill>
+        <p:spPr bwMode="auto">
+          <a:xfrm>
+            <a:off x="533400" y="4419600"/>
+            <a:ext cx="3429000" cy="2133600"/>
+          </a:xfrm>
+          <a:prstGeom prst="rect">
+            <a:avLst/>
+          </a:prstGeom>
+          <a:noFill/>
+          <a:ln w="9525">
+            <a:noFill/>
+            <a:miter lim="800000"/>
+            <a:headEnd/>
+            <a:tailEnd/>
+          </a:ln>
+        </p:spPr>
+      </p:pic>
+    </p:spTree>
+  </p:cSld>
+  <p:clrMapOvr>
+    <a:masterClrMapping/>
+  </p:clrMapOvr>
+  <p:timing>
+    <p:tnLst>
+      <p:par>
+        <p:cTn id="1" dur="indefinite" restart="never" nodeType="tmRoot"/>
+      </p:par>
+    </p:tnLst>
+  </p:timing>
+</p:sld>
+</file>
+
+<file path=ppt/slides/slide7.xml><?xml version="1.0" encoding="utf-8"?>
+<p:sld xmlns:a="http://schemas.openxmlformats.org/drawingml/2006/main" xmlns:r="http://schemas.openxmlformats.org/officeDocument/2006/relationships" xmlns:p="http://schemas.openxmlformats.org/presentationml/2006/main">
+  <p:cSld>
+    <p:spTree>
+      <p:nvGrpSpPr>
+        <p:cNvPr id="1" name=""/>
+        <p:cNvGrpSpPr/>
+        <p:nvPr/>
+      </p:nvGrpSpPr>
+      <p:grpSpPr>
+        <a:xfrm>
+          <a:off x="0" y="0"/>
+          <a:ext cx="0" cy="0"/>
+          <a:chOff x="0" y="0"/>
+          <a:chExt cx="0" cy="0"/>
+        </a:xfrm>
+      </p:grpSpPr>
+      <p:pic>
+        <p:nvPicPr>
+          <p:cNvPr id="2" name="Picture 1"/>
+          <p:cNvPicPr/>
+          <p:nvPr/>
+        </p:nvPicPr>
+        <p:blipFill>
+          <a:blip r:embed="rId2"/>
+          <a:srcRect l="1647" t="6051" r="5899" b="60191"/>
+          <a:stretch>
+            <a:fillRect/>
+          </a:stretch>
+        </p:blipFill>
+        <p:spPr bwMode="auto">
+          <a:xfrm>
+            <a:off x="4495800" y="762000"/>
+            <a:ext cx="4648200" cy="1447800"/>
+          </a:xfrm>
+          <a:prstGeom prst="rect">
+            <a:avLst/>
+          </a:prstGeom>
+          <a:noFill/>
+          <a:ln w="9525">
+            <a:noFill/>
+            <a:miter lim="800000"/>
+            <a:headEnd/>
+            <a:tailEnd/>
+          </a:ln>
+        </p:spPr>
+      </p:pic>
+      <p:pic>
+        <p:nvPicPr>
+          <p:cNvPr id="3" name="Picture 2"/>
+          <p:cNvPicPr/>
+          <p:nvPr/>
+        </p:nvPicPr>
+        <p:blipFill>
+          <a:blip r:embed="rId3"/>
+          <a:srcRect l="1647" t="7325" r="6934" b="60191"/>
+          <a:stretch>
+            <a:fillRect/>
+          </a:stretch>
+        </p:blipFill>
+        <p:spPr bwMode="auto">
+          <a:xfrm>
+            <a:off x="4572000" y="2667000"/>
+            <a:ext cx="4572000" cy="1447800"/>
+          </a:xfrm>
+          <a:prstGeom prst="rect">
+            <a:avLst/>
+          </a:prstGeom>
+          <a:noFill/>
+          <a:ln w="9525">
+            <a:noFill/>
+            <a:miter lim="800000"/>
+            <a:headEnd/>
+            <a:tailEnd/>
+          </a:ln>
+        </p:spPr>
+      </p:pic>
+      <p:pic>
+        <p:nvPicPr>
+          <p:cNvPr id="4" name="Picture 3"/>
+          <p:cNvPicPr/>
+          <p:nvPr/>
+        </p:nvPicPr>
+        <p:blipFill>
+          <a:blip r:embed="rId4"/>
+          <a:srcRect l="1289" t="5733" r="3895" b="58280"/>
+          <a:stretch>
+            <a:fillRect/>
+          </a:stretch>
+        </p:blipFill>
+        <p:spPr bwMode="auto">
+          <a:xfrm>
+            <a:off x="4572000" y="4572000"/>
+            <a:ext cx="4572000" cy="1524000"/>
+          </a:xfrm>
+          <a:prstGeom prst="rect">
+            <a:avLst/>
+          </a:prstGeom>
+          <a:noFill/>
+          <a:ln w="9525">
+            <a:noFill/>
+            <a:miter lim="800000"/>
+            <a:headEnd/>
+            <a:tailEnd/>
+          </a:ln>
+        </p:spPr>
+      </p:pic>
+      <p:sp>
+        <p:nvSpPr>
+          <p:cNvPr id="5" name="TextBox 4"/>
+          <p:cNvSpPr txBox="1"/>
+          <p:nvPr/>
+        </p:nvSpPr>
+        <p:spPr>
+          <a:xfrm>
+            <a:off x="-304800" y="0"/>
+            <a:ext cx="9144000" cy="400110"/>
+          </a:xfrm>
+          <a:prstGeom prst="rect">
+            <a:avLst/>
+          </a:prstGeom>
+          <a:noFill/>
+        </p:spPr>
+        <p:txBody>
+          <a:bodyPr wrap="square" rtlCol="0">
+            <a:spAutoFit/>
+          </a:bodyPr>
+          <a:lstStyle/>
+          <a:p>
+            <a:r>
+              <a:rPr lang="en-US" sz="2000" dirty="0" smtClean="0"/>
+              <a:t>       CD11c  CD25  CD31  CD205  Claud5  Claud34  Foxp3  K5  K14  </a:t>
+            </a:r>
+            <a:r>
+              <a:rPr lang="en-US" sz="2000" dirty="0" err="1" smtClean="0"/>
+              <a:t>PDGFRb</a:t>
+            </a:r>
+            <a:r>
+              <a:rPr lang="en-US" sz="2000" dirty="0" smtClean="0"/>
+              <a:t>  UEA1</a:t>
+            </a:r>
+            <a:endParaRPr lang="en-US" sz="2000" dirty="0"/>
+          </a:p>
+        </p:txBody>
+      </p:sp>
+      <p:pic>
+        <p:nvPicPr>
+          <p:cNvPr id="6" name="Picture 5"/>
+          <p:cNvPicPr/>
+          <p:nvPr/>
+        </p:nvPicPr>
+        <p:blipFill>
+          <a:blip r:embed="rId5"/>
+          <a:srcRect l="51449" t="6741" b="47611"/>
+          <a:stretch>
+            <a:fillRect/>
+          </a:stretch>
+        </p:blipFill>
+        <p:spPr bwMode="auto">
+          <a:xfrm>
+            <a:off x="381000" y="685800"/>
+            <a:ext cx="3039139" cy="1676400"/>
+          </a:xfrm>
+          <a:prstGeom prst="rect">
+            <a:avLst/>
+          </a:prstGeom>
+          <a:noFill/>
+          <a:ln w="9525">
+            <a:noFill/>
+            <a:miter lim="800000"/>
+            <a:headEnd/>
+            <a:tailEnd/>
+          </a:ln>
+        </p:spPr>
+      </p:pic>
+      <p:pic>
+        <p:nvPicPr>
+          <p:cNvPr id="7" name="Picture 6"/>
+          <p:cNvPicPr/>
+          <p:nvPr/>
+        </p:nvPicPr>
+        <p:blipFill>
+          <a:blip r:embed="rId6"/>
+          <a:srcRect l="1289" t="4777" r="50030" b="49575"/>
+          <a:stretch>
+            <a:fillRect/>
+          </a:stretch>
+        </p:blipFill>
+        <p:spPr bwMode="auto">
+          <a:xfrm>
+            <a:off x="381000" y="2514600"/>
+            <a:ext cx="3200400" cy="1905000"/>
+          </a:xfrm>
+          <a:prstGeom prst="rect">
+            <a:avLst/>
+          </a:prstGeom>
+          <a:noFill/>
+          <a:ln w="9525">
+            <a:noFill/>
+            <a:miter lim="800000"/>
+            <a:headEnd/>
+            <a:tailEnd/>
+          </a:ln>
+        </p:spPr>
+      </p:pic>
+      <p:pic>
+        <p:nvPicPr>
+          <p:cNvPr id="8" name="Picture 7"/>
+          <p:cNvPicPr/>
+          <p:nvPr/>
+        </p:nvPicPr>
+        <p:blipFill>
+          <a:blip r:embed="rId7"/>
+          <a:srcRect l="1647" t="4459" r="49672" b="52176"/>
+          <a:stretch>
+            <a:fillRect/>
+          </a:stretch>
+        </p:blipFill>
+        <p:spPr bwMode="auto">
+          <a:xfrm>
+            <a:off x="381000" y="4343400"/>
+            <a:ext cx="3352800" cy="2057400"/>
+          </a:xfrm>
+          <a:prstGeom prst="rect">
+            <a:avLst/>
+          </a:prstGeom>
+          <a:noFill/>
+          <a:ln w="9525">
+            <a:noFill/>
+            <a:miter lim="800000"/>
+            <a:headEnd/>
+            <a:tailEnd/>
+          </a:ln>
+        </p:spPr>
+      </p:pic>
+    </p:spTree>
+  </p:cSld>
+  <p:clrMapOvr>
+    <a:masterClrMapping/>
+  </p:clrMapOvr>
+  <p:timing>
+    <p:tnLst>
+      <p:par>
+        <p:cTn id="1" dur="indefinite" restart="never" nodeType="tmRoot"/>
+      </p:par>
+    </p:tnLst>
+  </p:timing>
+</p:sld>
+</file>
+
+<file path=ppt/slides/slide8.xml><?xml version="1.0" encoding="utf-8"?>
+<p:sld xmlns:a="http://schemas.openxmlformats.org/drawingml/2006/main" xmlns:r="http://schemas.openxmlformats.org/officeDocument/2006/relationships" xmlns:p="http://schemas.openxmlformats.org/presentationml/2006/main">
+  <p:cSld>
+    <p:spTree>
+      <p:nvGrpSpPr>
+        <p:cNvPr id="1" name=""/>
+        <p:cNvGrpSpPr/>
+        <p:nvPr/>
+      </p:nvGrpSpPr>
+      <p:grpSpPr>
+        <a:xfrm>
+          <a:off x="0" y="0"/>
+          <a:ext cx="0" cy="0"/>
+          <a:chOff x="0" y="0"/>
+          <a:chExt cx="0" cy="0"/>
+        </a:xfrm>
+      </p:grpSpPr>
       <p:sp>
         <p:nvSpPr>
           <p:cNvPr id="2" name="TextBox 1"/>
@@ -4080,8 +4840,8 @@
         </p:blipFill>
         <p:spPr bwMode="auto">
           <a:xfrm>
-            <a:off x="457200" y="609600"/>
-            <a:ext cx="6996224" cy="1412466"/>
+            <a:off x="228600" y="609600"/>
+            <a:ext cx="8534400" cy="2133600"/>
           </a:xfrm>
           <a:prstGeom prst="rect">
             <a:avLst/>
@@ -4095,6 +4855,306 @@
           </a:ln>
         </p:spPr>
       </p:pic>
+      <p:pic>
+        <p:nvPicPr>
+          <p:cNvPr id="1026" name="Picture 2"/>
+          <p:cNvPicPr>
+            <a:picLocks noChangeAspect="1" noChangeArrowheads="1"/>
+          </p:cNvPicPr>
+          <p:nvPr/>
+        </p:nvPicPr>
+        <p:blipFill>
+          <a:blip r:embed="rId3"/>
+          <a:srcRect l="877" t="8967" b="5556"/>
+          <a:stretch>
+            <a:fillRect/>
+          </a:stretch>
+        </p:blipFill>
+        <p:spPr bwMode="auto">
+          <a:xfrm>
+            <a:off x="152400" y="2667000"/>
+            <a:ext cx="8610600" cy="4174636"/>
+          </a:xfrm>
+          <a:prstGeom prst="rect">
+            <a:avLst/>
+          </a:prstGeom>
+          <a:noFill/>
+          <a:ln w="9525">
+            <a:noFill/>
+            <a:miter lim="800000"/>
+            <a:headEnd/>
+            <a:tailEnd/>
+          </a:ln>
+          <a:effectLst/>
+        </p:spPr>
+      </p:pic>
+      <p:sp>
+        <p:nvSpPr>
+          <p:cNvPr id="5" name="TextBox 4"/>
+          <p:cNvSpPr txBox="1"/>
+          <p:nvPr/>
+        </p:nvSpPr>
+        <p:spPr>
+          <a:xfrm>
+            <a:off x="381000" y="304800"/>
+            <a:ext cx="8305800" cy="369332"/>
+          </a:xfrm>
+          <a:prstGeom prst="rect">
+            <a:avLst/>
+          </a:prstGeom>
+          <a:solidFill>
+            <a:schemeClr val="tx1"/>
+          </a:solidFill>
+        </p:spPr>
+        <p:txBody>
+          <a:bodyPr wrap="square" rtlCol="0">
+            <a:spAutoFit/>
+          </a:bodyPr>
+          <a:lstStyle/>
+          <a:p>
+            <a:r>
+              <a:rPr lang="en-US" dirty="0" smtClean="0">
+                <a:solidFill>
+                  <a:schemeClr val="bg1"/>
+                </a:solidFill>
+              </a:rPr>
+              <a:t>  </a:t>
+            </a:r>
+            <a:r>
+              <a:rPr lang="en-US" dirty="0" err="1" smtClean="0">
+                <a:solidFill>
+                  <a:schemeClr val="bg1"/>
+                </a:solidFill>
+              </a:rPr>
+              <a:t>Subcap</a:t>
+            </a:r>
+            <a:r>
+              <a:rPr lang="en-US" dirty="0" smtClean="0">
+                <a:solidFill>
+                  <a:schemeClr val="bg1"/>
+                </a:solidFill>
+              </a:rPr>
+              <a:t> Cortex  Outer     M        Outer      M      Cortex  </a:t>
+            </a:r>
+            <a:r>
+              <a:rPr lang="en-US" dirty="0" err="1" smtClean="0">
+                <a:solidFill>
+                  <a:schemeClr val="bg1"/>
+                </a:solidFill>
+              </a:rPr>
+              <a:t>Subcap</a:t>
+            </a:r>
+            <a:r>
+              <a:rPr lang="en-US" dirty="0" smtClean="0">
+                <a:solidFill>
+                  <a:schemeClr val="bg1"/>
+                </a:solidFill>
+              </a:rPr>
+              <a:t> Cortex     M       Outer </a:t>
+            </a:r>
+            <a:endParaRPr lang="en-US" dirty="0">
+              <a:solidFill>
+                <a:schemeClr val="bg1"/>
+              </a:solidFill>
+            </a:endParaRPr>
+          </a:p>
+        </p:txBody>
+      </p:sp>
+      <p:sp>
+        <p:nvSpPr>
+          <p:cNvPr id="6" name="TextBox 5"/>
+          <p:cNvSpPr txBox="1"/>
+          <p:nvPr/>
+        </p:nvSpPr>
+        <p:spPr>
+          <a:xfrm>
+            <a:off x="-228600" y="762000"/>
+            <a:ext cx="609600" cy="1869743"/>
+          </a:xfrm>
+          <a:prstGeom prst="rect">
+            <a:avLst/>
+          </a:prstGeom>
+          <a:solidFill>
+            <a:schemeClr val="tx1"/>
+          </a:solidFill>
+        </p:spPr>
+        <p:txBody>
+          <a:bodyPr wrap="square" rtlCol="0">
+            <a:spAutoFit/>
+          </a:bodyPr>
+          <a:lstStyle/>
+          <a:p>
+            <a:r>
+              <a:rPr lang="en-US" sz="1050" dirty="0" smtClean="0">
+                <a:solidFill>
+                  <a:schemeClr val="bg1"/>
+                </a:solidFill>
+              </a:rPr>
+              <a:t>Cortex</a:t>
+            </a:r>
+          </a:p>
+          <a:p>
+            <a:r>
+              <a:rPr lang="en-US" sz="1050" dirty="0" smtClean="0">
+                <a:solidFill>
+                  <a:schemeClr val="bg1"/>
+                </a:solidFill>
+              </a:rPr>
+              <a:t>Outer</a:t>
+            </a:r>
+          </a:p>
+          <a:p>
+            <a:r>
+              <a:rPr lang="en-US" sz="1050" dirty="0" smtClean="0">
+                <a:solidFill>
+                  <a:schemeClr val="bg1"/>
+                </a:solidFill>
+              </a:rPr>
+              <a:t>M</a:t>
+            </a:r>
+          </a:p>
+          <a:p>
+            <a:r>
+              <a:rPr lang="en-US" sz="1050" dirty="0" smtClean="0">
+                <a:solidFill>
+                  <a:schemeClr val="bg1"/>
+                </a:solidFill>
+              </a:rPr>
+              <a:t>Outer</a:t>
+            </a:r>
+          </a:p>
+          <a:p>
+            <a:r>
+              <a:rPr lang="en-US" sz="1050" dirty="0" smtClean="0">
+                <a:solidFill>
+                  <a:schemeClr val="bg1"/>
+                </a:solidFill>
+              </a:rPr>
+              <a:t>M</a:t>
+            </a:r>
+          </a:p>
+          <a:p>
+            <a:r>
+              <a:rPr lang="en-US" sz="1050" dirty="0" smtClean="0">
+                <a:solidFill>
+                  <a:schemeClr val="bg1"/>
+                </a:solidFill>
+              </a:rPr>
+              <a:t>Cortex</a:t>
+            </a:r>
+          </a:p>
+          <a:p>
+            <a:r>
+              <a:rPr lang="en-US" sz="1050" dirty="0" err="1" smtClean="0">
+                <a:solidFill>
+                  <a:schemeClr val="bg1"/>
+                </a:solidFill>
+              </a:rPr>
+              <a:t>Subcap</a:t>
+            </a:r>
+            <a:endParaRPr lang="en-US" sz="1050" dirty="0" smtClean="0">
+              <a:solidFill>
+                <a:schemeClr val="bg1"/>
+              </a:solidFill>
+            </a:endParaRPr>
+          </a:p>
+          <a:p>
+            <a:r>
+              <a:rPr lang="en-US" sz="1050" dirty="0" smtClean="0">
+                <a:solidFill>
+                  <a:schemeClr val="bg1"/>
+                </a:solidFill>
+              </a:rPr>
+              <a:t>Cortex</a:t>
+            </a:r>
+          </a:p>
+          <a:p>
+            <a:r>
+              <a:rPr lang="en-US" sz="1050" dirty="0" smtClean="0">
+                <a:solidFill>
+                  <a:schemeClr val="bg1"/>
+                </a:solidFill>
+              </a:rPr>
+              <a:t>M</a:t>
+            </a:r>
+          </a:p>
+          <a:p>
+            <a:r>
+              <a:rPr lang="en-US" sz="1050" dirty="0" smtClean="0">
+                <a:solidFill>
+                  <a:schemeClr val="bg1"/>
+                </a:solidFill>
+              </a:rPr>
+              <a:t>Outer</a:t>
+            </a:r>
+          </a:p>
+          <a:p>
+            <a:r>
+              <a:rPr lang="en-US" sz="1050" dirty="0" err="1" smtClean="0">
+                <a:solidFill>
+                  <a:schemeClr val="bg1"/>
+                </a:solidFill>
+              </a:rPr>
+              <a:t>Subcap</a:t>
+            </a:r>
+            <a:r>
+              <a:rPr lang="en-US" sz="1050" dirty="0" smtClean="0">
+                <a:solidFill>
+                  <a:schemeClr val="bg1"/>
+                </a:solidFill>
+              </a:rPr>
+              <a:t> </a:t>
+            </a:r>
+            <a:endParaRPr lang="en-US" sz="1050" dirty="0">
+              <a:solidFill>
+                <a:schemeClr val="bg1"/>
+              </a:solidFill>
+            </a:endParaRPr>
+          </a:p>
+        </p:txBody>
+      </p:sp>
+      <p:sp>
+        <p:nvSpPr>
+          <p:cNvPr id="7" name="TextBox 6"/>
+          <p:cNvSpPr txBox="1"/>
+          <p:nvPr/>
+        </p:nvSpPr>
+        <p:spPr>
+          <a:xfrm>
+            <a:off x="457200" y="6477000"/>
+            <a:ext cx="8142037" cy="276999"/>
+          </a:xfrm>
+          <a:prstGeom prst="rect">
+            <a:avLst/>
+          </a:prstGeom>
+          <a:noFill/>
+        </p:spPr>
+        <p:txBody>
+          <a:bodyPr wrap="none" rtlCol="0">
+            <a:spAutoFit/>
+          </a:bodyPr>
+          <a:lstStyle/>
+          <a:p>
+            <a:r>
+              <a:rPr lang="en-US" sz="1200" dirty="0" smtClean="0"/>
+              <a:t>S1Cortex   S2Outer        S3Outer      S2M     S1M         </a:t>
+            </a:r>
+            <a:r>
+              <a:rPr lang="en-US" sz="1200" smtClean="0"/>
+              <a:t>S2M                  </a:t>
+            </a:r>
+            <a:r>
+              <a:rPr lang="en-US" sz="1200" dirty="0" smtClean="0"/>
+              <a:t>S2Subcap  S3Subcap     S1Outer  S3Cortex  </a:t>
+            </a:r>
+            <a:r>
+              <a:rPr lang="en-US" sz="1200" smtClean="0"/>
+              <a:t>S1Subcap  S2Cortex</a:t>
+            </a:r>
+            <a:endParaRPr lang="en-US" sz="1200" dirty="0"/>
+          </a:p>
+        </p:txBody>
+      </p:sp>
     </p:spTree>
   </p:cSld>
   <p:clrMapOvr>

--- a/Clustering Results Word Doc/Mutant1_150_Norm_Analysis_K4.pptx
+++ b/Clustering Results Word Doc/Mutant1_150_Norm_Analysis_K4.pptx
@@ -296,7 +296,7 @@
             <a:fld id="{BF66009A-E4E6-4C74-9833-A8260B81191C}" type="datetimeFigureOut">
               <a:rPr lang="en-US" smtClean="0"/>
               <a:pPr/>
-              <a:t>2/8/2015</a:t>
+              <a:t>2/10/2015</a:t>
             </a:fld>
             <a:endParaRPr lang="en-US"/>
           </a:p>
@@ -463,7 +463,7 @@
             <a:fld id="{BF66009A-E4E6-4C74-9833-A8260B81191C}" type="datetimeFigureOut">
               <a:rPr lang="en-US" smtClean="0"/>
               <a:pPr/>
-              <a:t>2/8/2015</a:t>
+              <a:t>2/10/2015</a:t>
             </a:fld>
             <a:endParaRPr lang="en-US"/>
           </a:p>
@@ -640,7 +640,7 @@
             <a:fld id="{BF66009A-E4E6-4C74-9833-A8260B81191C}" type="datetimeFigureOut">
               <a:rPr lang="en-US" smtClean="0"/>
               <a:pPr/>
-              <a:t>2/8/2015</a:t>
+              <a:t>2/10/2015</a:t>
             </a:fld>
             <a:endParaRPr lang="en-US"/>
           </a:p>
@@ -807,7 +807,7 @@
             <a:fld id="{BF66009A-E4E6-4C74-9833-A8260B81191C}" type="datetimeFigureOut">
               <a:rPr lang="en-US" smtClean="0"/>
               <a:pPr/>
-              <a:t>2/8/2015</a:t>
+              <a:t>2/10/2015</a:t>
             </a:fld>
             <a:endParaRPr lang="en-US"/>
           </a:p>
@@ -1050,7 +1050,7 @@
             <a:fld id="{BF66009A-E4E6-4C74-9833-A8260B81191C}" type="datetimeFigureOut">
               <a:rPr lang="en-US" smtClean="0"/>
               <a:pPr/>
-              <a:t>2/8/2015</a:t>
+              <a:t>2/10/2015</a:t>
             </a:fld>
             <a:endParaRPr lang="en-US"/>
           </a:p>
@@ -1335,7 +1335,7 @@
             <a:fld id="{BF66009A-E4E6-4C74-9833-A8260B81191C}" type="datetimeFigureOut">
               <a:rPr lang="en-US" smtClean="0"/>
               <a:pPr/>
-              <a:t>2/8/2015</a:t>
+              <a:t>2/10/2015</a:t>
             </a:fld>
             <a:endParaRPr lang="en-US"/>
           </a:p>
@@ -1754,7 +1754,7 @@
             <a:fld id="{BF66009A-E4E6-4C74-9833-A8260B81191C}" type="datetimeFigureOut">
               <a:rPr lang="en-US" smtClean="0"/>
               <a:pPr/>
-              <a:t>2/8/2015</a:t>
+              <a:t>2/10/2015</a:t>
             </a:fld>
             <a:endParaRPr lang="en-US"/>
           </a:p>
@@ -1869,7 +1869,7 @@
             <a:fld id="{BF66009A-E4E6-4C74-9833-A8260B81191C}" type="datetimeFigureOut">
               <a:rPr lang="en-US" smtClean="0"/>
               <a:pPr/>
-              <a:t>2/8/2015</a:t>
+              <a:t>2/10/2015</a:t>
             </a:fld>
             <a:endParaRPr lang="en-US"/>
           </a:p>
@@ -1961,7 +1961,7 @@
             <a:fld id="{BF66009A-E4E6-4C74-9833-A8260B81191C}" type="datetimeFigureOut">
               <a:rPr lang="en-US" smtClean="0"/>
               <a:pPr/>
-              <a:t>2/8/2015</a:t>
+              <a:t>2/10/2015</a:t>
             </a:fld>
             <a:endParaRPr lang="en-US"/>
           </a:p>
@@ -2235,7 +2235,7 @@
             <a:fld id="{BF66009A-E4E6-4C74-9833-A8260B81191C}" type="datetimeFigureOut">
               <a:rPr lang="en-US" smtClean="0"/>
               <a:pPr/>
-              <a:t>2/8/2015</a:t>
+              <a:t>2/10/2015</a:t>
             </a:fld>
             <a:endParaRPr lang="en-US"/>
           </a:p>
@@ -2485,7 +2485,7 @@
             <a:fld id="{BF66009A-E4E6-4C74-9833-A8260B81191C}" type="datetimeFigureOut">
               <a:rPr lang="en-US" smtClean="0"/>
               <a:pPr/>
-              <a:t>2/8/2015</a:t>
+              <a:t>2/10/2015</a:t>
             </a:fld>
             <a:endParaRPr lang="en-US"/>
           </a:p>
@@ -2695,7 +2695,7 @@
             <a:fld id="{BF66009A-E4E6-4C74-9833-A8260B81191C}" type="datetimeFigureOut">
               <a:rPr lang="en-US" smtClean="0"/>
               <a:pPr/>
-              <a:t>2/8/2015</a:t>
+              <a:t>2/10/2015</a:t>
             </a:fld>
             <a:endParaRPr lang="en-US"/>
           </a:p>
@@ -4921,6 +4921,14 @@
               <a:t>  </a:t>
             </a:r>
             <a:r>
+              <a:rPr lang="en-US" dirty="0" smtClean="0">
+                <a:solidFill>
+                  <a:schemeClr val="bg1"/>
+                </a:solidFill>
+              </a:rPr>
+              <a:t>Cortex    Outer  </a:t>
+            </a:r>
+            <a:r>
               <a:rPr lang="en-US" dirty="0" err="1" smtClean="0">
                 <a:solidFill>
                   <a:schemeClr val="bg1"/>
@@ -4934,7 +4942,15 @@
                   <a:schemeClr val="bg1"/>
                 </a:solidFill>
               </a:rPr>
-              <a:t> Cortex  Outer     M        Outer      M      Cortex  </a:t>
+              <a:t>     </a:t>
+            </a:r>
+            <a:r>
+              <a:rPr lang="en-US" dirty="0" smtClean="0">
+                <a:solidFill>
+                  <a:schemeClr val="bg1"/>
+                </a:solidFill>
+              </a:rPr>
+              <a:t>M        Outer      M      Cortex  </a:t>
             </a:r>
             <a:r>
               <a:rPr lang="en-US" dirty="0" err="1" smtClean="0">
@@ -5122,7 +5138,7 @@
         <p:spPr>
           <a:xfrm>
             <a:off x="457200" y="6477000"/>
-            <a:ext cx="8142037" cy="276999"/>
+            <a:ext cx="8090356" cy="276999"/>
           </a:xfrm>
           <a:prstGeom prst="rect">
             <a:avLst/>
@@ -5136,8 +5152,16 @@
           <a:lstStyle/>
           <a:p>
             <a:r>
+              <a:rPr lang="en-US" sz="1200" smtClean="0"/>
+              <a:t>S1Outer   </a:t>
+            </a:r>
+            <a:r>
               <a:rPr lang="en-US" sz="1200" dirty="0" smtClean="0"/>
-              <a:t>S1Cortex   S2Outer        S3Outer      S2M     S1M         </a:t>
+              <a:t>S2Outer        S3Outer      S2M     </a:t>
+            </a:r>
+            <a:r>
+              <a:rPr lang="en-US" sz="1200" smtClean="0"/>
+              <a:t>S1M         </a:t>
             </a:r>
             <a:r>
               <a:rPr lang="en-US" sz="1200" smtClean="0"/>
@@ -5145,11 +5169,19 @@
             </a:r>
             <a:r>
               <a:rPr lang="en-US" sz="1200" dirty="0" smtClean="0"/>
-              <a:t>S2Subcap  S3Subcap     S1Outer  S3Cortex  </a:t>
+              <a:t>S2Subcap  S3Subcap     S1Outer  </a:t>
             </a:r>
             <a:r>
               <a:rPr lang="en-US" sz="1200" smtClean="0"/>
-              <a:t>S1Subcap  S2Cortex</a:t>
+              <a:t>S3Cortex  </a:t>
+            </a:r>
+            <a:r>
+              <a:rPr lang="en-US" sz="1200" smtClean="0"/>
+              <a:t>S1Cortex </a:t>
+            </a:r>
+            <a:r>
+              <a:rPr lang="en-US" sz="1200" smtClean="0"/>
+              <a:t>S2Cortex</a:t>
             </a:r>
             <a:endParaRPr lang="en-US" sz="1200" dirty="0"/>
           </a:p>

--- a/Clustering Results Word Doc/Mutant1_150_Norm_Analysis_K4.pptx
+++ b/Clustering Results Word Doc/Mutant1_150_Norm_Analysis_K4.pptx
@@ -296,7 +296,7 @@
             <a:fld id="{BF66009A-E4E6-4C74-9833-A8260B81191C}" type="datetimeFigureOut">
               <a:rPr lang="en-US" smtClean="0"/>
               <a:pPr/>
-              <a:t>2/10/2015</a:t>
+              <a:t>3/10/2015</a:t>
             </a:fld>
             <a:endParaRPr lang="en-US"/>
           </a:p>
@@ -463,7 +463,7 @@
             <a:fld id="{BF66009A-E4E6-4C74-9833-A8260B81191C}" type="datetimeFigureOut">
               <a:rPr lang="en-US" smtClean="0"/>
               <a:pPr/>
-              <a:t>2/10/2015</a:t>
+              <a:t>3/10/2015</a:t>
             </a:fld>
             <a:endParaRPr lang="en-US"/>
           </a:p>
@@ -640,7 +640,7 @@
             <a:fld id="{BF66009A-E4E6-4C74-9833-A8260B81191C}" type="datetimeFigureOut">
               <a:rPr lang="en-US" smtClean="0"/>
               <a:pPr/>
-              <a:t>2/10/2015</a:t>
+              <a:t>3/10/2015</a:t>
             </a:fld>
             <a:endParaRPr lang="en-US"/>
           </a:p>
@@ -807,7 +807,7 @@
             <a:fld id="{BF66009A-E4E6-4C74-9833-A8260B81191C}" type="datetimeFigureOut">
               <a:rPr lang="en-US" smtClean="0"/>
               <a:pPr/>
-              <a:t>2/10/2015</a:t>
+              <a:t>3/10/2015</a:t>
             </a:fld>
             <a:endParaRPr lang="en-US"/>
           </a:p>
@@ -1050,7 +1050,7 @@
             <a:fld id="{BF66009A-E4E6-4C74-9833-A8260B81191C}" type="datetimeFigureOut">
               <a:rPr lang="en-US" smtClean="0"/>
               <a:pPr/>
-              <a:t>2/10/2015</a:t>
+              <a:t>3/10/2015</a:t>
             </a:fld>
             <a:endParaRPr lang="en-US"/>
           </a:p>
@@ -1335,7 +1335,7 @@
             <a:fld id="{BF66009A-E4E6-4C74-9833-A8260B81191C}" type="datetimeFigureOut">
               <a:rPr lang="en-US" smtClean="0"/>
               <a:pPr/>
-              <a:t>2/10/2015</a:t>
+              <a:t>3/10/2015</a:t>
             </a:fld>
             <a:endParaRPr lang="en-US"/>
           </a:p>
@@ -1754,7 +1754,7 @@
             <a:fld id="{BF66009A-E4E6-4C74-9833-A8260B81191C}" type="datetimeFigureOut">
               <a:rPr lang="en-US" smtClean="0"/>
               <a:pPr/>
-              <a:t>2/10/2015</a:t>
+              <a:t>3/10/2015</a:t>
             </a:fld>
             <a:endParaRPr lang="en-US"/>
           </a:p>
@@ -1869,7 +1869,7 @@
             <a:fld id="{BF66009A-E4E6-4C74-9833-A8260B81191C}" type="datetimeFigureOut">
               <a:rPr lang="en-US" smtClean="0"/>
               <a:pPr/>
-              <a:t>2/10/2015</a:t>
+              <a:t>3/10/2015</a:t>
             </a:fld>
             <a:endParaRPr lang="en-US"/>
           </a:p>
@@ -1961,7 +1961,7 @@
             <a:fld id="{BF66009A-E4E6-4C74-9833-A8260B81191C}" type="datetimeFigureOut">
               <a:rPr lang="en-US" smtClean="0"/>
               <a:pPr/>
-              <a:t>2/10/2015</a:t>
+              <a:t>3/10/2015</a:t>
             </a:fld>
             <a:endParaRPr lang="en-US"/>
           </a:p>
@@ -2235,7 +2235,7 @@
             <a:fld id="{BF66009A-E4E6-4C74-9833-A8260B81191C}" type="datetimeFigureOut">
               <a:rPr lang="en-US" smtClean="0"/>
               <a:pPr/>
-              <a:t>2/10/2015</a:t>
+              <a:t>3/10/2015</a:t>
             </a:fld>
             <a:endParaRPr lang="en-US"/>
           </a:p>
@@ -2485,7 +2485,7 @@
             <a:fld id="{BF66009A-E4E6-4C74-9833-A8260B81191C}" type="datetimeFigureOut">
               <a:rPr lang="en-US" smtClean="0"/>
               <a:pPr/>
-              <a:t>2/10/2015</a:t>
+              <a:t>3/10/2015</a:t>
             </a:fld>
             <a:endParaRPr lang="en-US"/>
           </a:p>
@@ -2695,7 +2695,7 @@
             <a:fld id="{BF66009A-E4E6-4C74-9833-A8260B81191C}" type="datetimeFigureOut">
               <a:rPr lang="en-US" smtClean="0"/>
               <a:pPr/>
-              <a:t>2/10/2015</a:t>
+              <a:t>3/10/2015</a:t>
             </a:fld>
             <a:endParaRPr lang="en-US"/>
           </a:p>
@@ -3156,44 +3156,6 @@
           </a:ln>
         </p:spPr>
       </p:pic>
-      <p:sp>
-        <p:nvSpPr>
-          <p:cNvPr id="7" name="TextBox 6"/>
-          <p:cNvSpPr txBox="1"/>
-          <p:nvPr/>
-        </p:nvSpPr>
-        <p:spPr>
-          <a:xfrm>
-            <a:off x="-304800" y="0"/>
-            <a:ext cx="9144000" cy="400110"/>
-          </a:xfrm>
-          <a:prstGeom prst="rect">
-            <a:avLst/>
-          </a:prstGeom>
-          <a:noFill/>
-        </p:spPr>
-        <p:txBody>
-          <a:bodyPr wrap="square" rtlCol="0">
-            <a:spAutoFit/>
-          </a:bodyPr>
-          <a:lstStyle/>
-          <a:p>
-            <a:r>
-              <a:rPr lang="en-US" sz="2000" dirty="0" smtClean="0"/>
-              <a:t>       CD11c  CD25  CD31  CD205  Claud5  Claud34  Foxp3  K5  K14  </a:t>
-            </a:r>
-            <a:r>
-              <a:rPr lang="en-US" sz="2000" dirty="0" err="1" smtClean="0"/>
-              <a:t>PDGFRb</a:t>
-            </a:r>
-            <a:r>
-              <a:rPr lang="en-US" sz="2000" dirty="0" smtClean="0"/>
-              <a:t>  UEA1</a:t>
-            </a:r>
-            <a:endParaRPr lang="en-US" sz="2000" dirty="0"/>
-          </a:p>
-        </p:txBody>
-      </p:sp>
       <p:pic>
         <p:nvPicPr>
           <p:cNvPr id="8" name="Picture 7"/>
@@ -3284,6 +3246,52 @@
           </a:ln>
         </p:spPr>
       </p:pic>
+      <p:sp>
+        <p:nvSpPr>
+          <p:cNvPr id="12" name="TextBox 11"/>
+          <p:cNvSpPr txBox="1"/>
+          <p:nvPr/>
+        </p:nvSpPr>
+        <p:spPr>
+          <a:xfrm>
+            <a:off x="0" y="6412468"/>
+            <a:ext cx="8979831" cy="369332"/>
+          </a:xfrm>
+          <a:prstGeom prst="rect">
+            <a:avLst/>
+          </a:prstGeom>
+          <a:noFill/>
+        </p:spPr>
+        <p:txBody>
+          <a:bodyPr wrap="none" rtlCol="0">
+            <a:spAutoFit/>
+          </a:bodyPr>
+          <a:lstStyle/>
+          <a:p>
+            <a:r>
+              <a:rPr lang="en-US" dirty="0" smtClean="0"/>
+              <a:t>CD11c     CD205     </a:t>
+            </a:r>
+            <a:r>
+              <a:rPr lang="en-US" dirty="0" smtClean="0"/>
+              <a:t>CD25     CD31      </a:t>
+            </a:r>
+            <a:r>
+              <a:rPr lang="en-US" dirty="0" smtClean="0"/>
+              <a:t>Claud34    Claud5     Foxp3     K14      K5      </a:t>
+            </a:r>
+            <a:r>
+              <a:rPr lang="en-US" dirty="0" err="1" smtClean="0"/>
+              <a:t>PDGFRb</a:t>
+            </a:r>
+            <a:r>
+              <a:rPr lang="en-US" dirty="0" smtClean="0"/>
+              <a:t>      UEA1</a:t>
+            </a:r>
+            <a:endParaRPr lang="en-US" dirty="0"/>
+          </a:p>
+        </p:txBody>
+      </p:sp>
     </p:spTree>
   </p:cSld>
   <p:clrMapOvr>
@@ -3399,44 +3407,6 @@
           </a:ln>
         </p:spPr>
       </p:pic>
-      <p:sp>
-        <p:nvSpPr>
-          <p:cNvPr id="7" name="TextBox 6"/>
-          <p:cNvSpPr txBox="1"/>
-          <p:nvPr/>
-        </p:nvSpPr>
-        <p:spPr>
-          <a:xfrm>
-            <a:off x="-304800" y="0"/>
-            <a:ext cx="9144000" cy="400110"/>
-          </a:xfrm>
-          <a:prstGeom prst="rect">
-            <a:avLst/>
-          </a:prstGeom>
-          <a:noFill/>
-        </p:spPr>
-        <p:txBody>
-          <a:bodyPr wrap="square" rtlCol="0">
-            <a:spAutoFit/>
-          </a:bodyPr>
-          <a:lstStyle/>
-          <a:p>
-            <a:r>
-              <a:rPr lang="en-US" sz="2000" dirty="0" smtClean="0"/>
-              <a:t>       CD11c  CD25  CD31  CD205  Claud5  Claud34  Foxp3  K5  K14  </a:t>
-            </a:r>
-            <a:r>
-              <a:rPr lang="en-US" sz="2000" dirty="0" err="1" smtClean="0"/>
-              <a:t>PDGFRb</a:t>
-            </a:r>
-            <a:r>
-              <a:rPr lang="en-US" sz="2000" dirty="0" smtClean="0"/>
-              <a:t>  UEA1</a:t>
-            </a:r>
-            <a:endParaRPr lang="en-US" sz="2000" dirty="0"/>
-          </a:p>
-        </p:txBody>
-      </p:sp>
       <p:pic>
         <p:nvPicPr>
           <p:cNvPr id="8" name="Picture 7"/>
@@ -3527,6 +3497,52 @@
           </a:ln>
         </p:spPr>
       </p:pic>
+      <p:sp>
+        <p:nvSpPr>
+          <p:cNvPr id="12" name="TextBox 11"/>
+          <p:cNvSpPr txBox="1"/>
+          <p:nvPr/>
+        </p:nvSpPr>
+        <p:spPr>
+          <a:xfrm>
+            <a:off x="0" y="6412468"/>
+            <a:ext cx="8979831" cy="369332"/>
+          </a:xfrm>
+          <a:prstGeom prst="rect">
+            <a:avLst/>
+          </a:prstGeom>
+          <a:noFill/>
+        </p:spPr>
+        <p:txBody>
+          <a:bodyPr wrap="none" rtlCol="0">
+            <a:spAutoFit/>
+          </a:bodyPr>
+          <a:lstStyle/>
+          <a:p>
+            <a:r>
+              <a:rPr lang="en-US" dirty="0" smtClean="0"/>
+              <a:t>CD11c     CD205     </a:t>
+            </a:r>
+            <a:r>
+              <a:rPr lang="en-US" dirty="0" smtClean="0"/>
+              <a:t>CD25     CD31      </a:t>
+            </a:r>
+            <a:r>
+              <a:rPr lang="en-US" dirty="0" smtClean="0"/>
+              <a:t>Claud34    Claud5     Foxp3     K14      K5      </a:t>
+            </a:r>
+            <a:r>
+              <a:rPr lang="en-US" dirty="0" err="1" smtClean="0"/>
+              <a:t>PDGFRb</a:t>
+            </a:r>
+            <a:r>
+              <a:rPr lang="en-US" dirty="0" smtClean="0"/>
+              <a:t>      UEA1</a:t>
+            </a:r>
+            <a:endParaRPr lang="en-US" dirty="0"/>
+          </a:p>
+        </p:txBody>
+      </p:sp>
     </p:spTree>
   </p:cSld>
   <p:clrMapOvr>
@@ -3642,44 +3658,6 @@
           </a:ln>
         </p:spPr>
       </p:pic>
-      <p:sp>
-        <p:nvSpPr>
-          <p:cNvPr id="7" name="TextBox 6"/>
-          <p:cNvSpPr txBox="1"/>
-          <p:nvPr/>
-        </p:nvSpPr>
-        <p:spPr>
-          <a:xfrm>
-            <a:off x="-304800" y="0"/>
-            <a:ext cx="9144000" cy="400110"/>
-          </a:xfrm>
-          <a:prstGeom prst="rect">
-            <a:avLst/>
-          </a:prstGeom>
-          <a:noFill/>
-        </p:spPr>
-        <p:txBody>
-          <a:bodyPr wrap="square" rtlCol="0">
-            <a:spAutoFit/>
-          </a:bodyPr>
-          <a:lstStyle/>
-          <a:p>
-            <a:r>
-              <a:rPr lang="en-US" sz="2000" dirty="0" smtClean="0"/>
-              <a:t>       CD11c  CD25  CD31  CD205  Claud5  Claud34  Foxp3  K5  K14  </a:t>
-            </a:r>
-            <a:r>
-              <a:rPr lang="en-US" sz="2000" dirty="0" err="1" smtClean="0"/>
-              <a:t>PDGFRb</a:t>
-            </a:r>
-            <a:r>
-              <a:rPr lang="en-US" sz="2000" dirty="0" smtClean="0"/>
-              <a:t>  UEA1</a:t>
-            </a:r>
-            <a:endParaRPr lang="en-US" sz="2000" dirty="0"/>
-          </a:p>
-        </p:txBody>
-      </p:sp>
       <p:pic>
         <p:nvPicPr>
           <p:cNvPr id="8" name="Picture 7"/>
@@ -3770,6 +3748,52 @@
           </a:ln>
         </p:spPr>
       </p:pic>
+      <p:sp>
+        <p:nvSpPr>
+          <p:cNvPr id="12" name="TextBox 11"/>
+          <p:cNvSpPr txBox="1"/>
+          <p:nvPr/>
+        </p:nvSpPr>
+        <p:spPr>
+          <a:xfrm>
+            <a:off x="0" y="6412468"/>
+            <a:ext cx="8979831" cy="369332"/>
+          </a:xfrm>
+          <a:prstGeom prst="rect">
+            <a:avLst/>
+          </a:prstGeom>
+          <a:noFill/>
+        </p:spPr>
+        <p:txBody>
+          <a:bodyPr wrap="none" rtlCol="0">
+            <a:spAutoFit/>
+          </a:bodyPr>
+          <a:lstStyle/>
+          <a:p>
+            <a:r>
+              <a:rPr lang="en-US" dirty="0" smtClean="0"/>
+              <a:t>CD11c     CD205     </a:t>
+            </a:r>
+            <a:r>
+              <a:rPr lang="en-US" dirty="0" smtClean="0"/>
+              <a:t>CD25     CD31      </a:t>
+            </a:r>
+            <a:r>
+              <a:rPr lang="en-US" dirty="0" smtClean="0"/>
+              <a:t>Claud34    Claud5     Foxp3     K14      K5      </a:t>
+            </a:r>
+            <a:r>
+              <a:rPr lang="en-US" dirty="0" err="1" smtClean="0"/>
+              <a:t>PDGFRb</a:t>
+            </a:r>
+            <a:r>
+              <a:rPr lang="en-US" dirty="0" smtClean="0"/>
+              <a:t>      UEA1</a:t>
+            </a:r>
+            <a:endParaRPr lang="en-US" dirty="0"/>
+          </a:p>
+        </p:txBody>
+      </p:sp>
     </p:spTree>
   </p:cSld>
   <p:clrMapOvr>
@@ -3885,44 +3909,6 @@
           </a:ln>
         </p:spPr>
       </p:pic>
-      <p:sp>
-        <p:nvSpPr>
-          <p:cNvPr id="7" name="TextBox 6"/>
-          <p:cNvSpPr txBox="1"/>
-          <p:nvPr/>
-        </p:nvSpPr>
-        <p:spPr>
-          <a:xfrm>
-            <a:off x="-304800" y="0"/>
-            <a:ext cx="9144000" cy="400110"/>
-          </a:xfrm>
-          <a:prstGeom prst="rect">
-            <a:avLst/>
-          </a:prstGeom>
-          <a:noFill/>
-        </p:spPr>
-        <p:txBody>
-          <a:bodyPr wrap="square" rtlCol="0">
-            <a:spAutoFit/>
-          </a:bodyPr>
-          <a:lstStyle/>
-          <a:p>
-            <a:r>
-              <a:rPr lang="en-US" sz="2000" dirty="0" smtClean="0"/>
-              <a:t>       CD11c  CD25  CD31  CD205  Claud5  Claud34  Foxp3  K5  K14  </a:t>
-            </a:r>
-            <a:r>
-              <a:rPr lang="en-US" sz="2000" dirty="0" err="1" smtClean="0"/>
-              <a:t>PDGFRb</a:t>
-            </a:r>
-            <a:r>
-              <a:rPr lang="en-US" sz="2000" dirty="0" smtClean="0"/>
-              <a:t>  UEA1</a:t>
-            </a:r>
-            <a:endParaRPr lang="en-US" sz="2000" dirty="0"/>
-          </a:p>
-        </p:txBody>
-      </p:sp>
       <p:pic>
         <p:nvPicPr>
           <p:cNvPr id="8" name="Picture 7"/>
@@ -4013,6 +3999,52 @@
           </a:ln>
         </p:spPr>
       </p:pic>
+      <p:sp>
+        <p:nvSpPr>
+          <p:cNvPr id="12" name="TextBox 11"/>
+          <p:cNvSpPr txBox="1"/>
+          <p:nvPr/>
+        </p:nvSpPr>
+        <p:spPr>
+          <a:xfrm>
+            <a:off x="0" y="6412468"/>
+            <a:ext cx="8979831" cy="369332"/>
+          </a:xfrm>
+          <a:prstGeom prst="rect">
+            <a:avLst/>
+          </a:prstGeom>
+          <a:noFill/>
+        </p:spPr>
+        <p:txBody>
+          <a:bodyPr wrap="none" rtlCol="0">
+            <a:spAutoFit/>
+          </a:bodyPr>
+          <a:lstStyle/>
+          <a:p>
+            <a:r>
+              <a:rPr lang="en-US" dirty="0" smtClean="0"/>
+              <a:t>CD11c     CD205     </a:t>
+            </a:r>
+            <a:r>
+              <a:rPr lang="en-US" dirty="0" smtClean="0"/>
+              <a:t>CD25     CD31      </a:t>
+            </a:r>
+            <a:r>
+              <a:rPr lang="en-US" dirty="0" smtClean="0"/>
+              <a:t>Claud34    Claud5     Foxp3     K14      K5      </a:t>
+            </a:r>
+            <a:r>
+              <a:rPr lang="en-US" dirty="0" err="1" smtClean="0"/>
+              <a:t>PDGFRb</a:t>
+            </a:r>
+            <a:r>
+              <a:rPr lang="en-US" dirty="0" smtClean="0"/>
+              <a:t>      UEA1</a:t>
+            </a:r>
+            <a:endParaRPr lang="en-US" dirty="0"/>
+          </a:p>
+        </p:txBody>
+      </p:sp>
     </p:spTree>
   </p:cSld>
   <p:clrMapOvr>
@@ -4135,44 +4167,6 @@
           </a:ln>
         </p:spPr>
       </p:pic>
-      <p:sp>
-        <p:nvSpPr>
-          <p:cNvPr id="5" name="TextBox 4"/>
-          <p:cNvSpPr txBox="1"/>
-          <p:nvPr/>
-        </p:nvSpPr>
-        <p:spPr>
-          <a:xfrm>
-            <a:off x="-304800" y="0"/>
-            <a:ext cx="9144000" cy="400110"/>
-          </a:xfrm>
-          <a:prstGeom prst="rect">
-            <a:avLst/>
-          </a:prstGeom>
-          <a:noFill/>
-        </p:spPr>
-        <p:txBody>
-          <a:bodyPr wrap="square" rtlCol="0">
-            <a:spAutoFit/>
-          </a:bodyPr>
-          <a:lstStyle/>
-          <a:p>
-            <a:r>
-              <a:rPr lang="en-US" sz="2000" dirty="0" smtClean="0"/>
-              <a:t>       CD11c  CD25  CD31  CD205  Claud5  Claud34  Foxp3  K5  K14  </a:t>
-            </a:r>
-            <a:r>
-              <a:rPr lang="en-US" sz="2000" dirty="0" err="1" smtClean="0"/>
-              <a:t>PDGFRb</a:t>
-            </a:r>
-            <a:r>
-              <a:rPr lang="en-US" sz="2000" dirty="0" smtClean="0"/>
-              <a:t>  UEA1</a:t>
-            </a:r>
-            <a:endParaRPr lang="en-US" sz="2000" dirty="0"/>
-          </a:p>
-        </p:txBody>
-      </p:sp>
       <p:pic>
         <p:nvPicPr>
           <p:cNvPr id="6" name="Picture 5"/>
@@ -4263,6 +4257,52 @@
           </a:ln>
         </p:spPr>
       </p:pic>
+      <p:sp>
+        <p:nvSpPr>
+          <p:cNvPr id="10" name="TextBox 9"/>
+          <p:cNvSpPr txBox="1"/>
+          <p:nvPr/>
+        </p:nvSpPr>
+        <p:spPr>
+          <a:xfrm>
+            <a:off x="0" y="6412468"/>
+            <a:ext cx="8979831" cy="369332"/>
+          </a:xfrm>
+          <a:prstGeom prst="rect">
+            <a:avLst/>
+          </a:prstGeom>
+          <a:noFill/>
+        </p:spPr>
+        <p:txBody>
+          <a:bodyPr wrap="none" rtlCol="0">
+            <a:spAutoFit/>
+          </a:bodyPr>
+          <a:lstStyle/>
+          <a:p>
+            <a:r>
+              <a:rPr lang="en-US" dirty="0" smtClean="0"/>
+              <a:t>CD11c     CD205     </a:t>
+            </a:r>
+            <a:r>
+              <a:rPr lang="en-US" dirty="0" smtClean="0"/>
+              <a:t>CD25     CD31      </a:t>
+            </a:r>
+            <a:r>
+              <a:rPr lang="en-US" dirty="0" smtClean="0"/>
+              <a:t>Claud34    Claud5     Foxp3     K14      K5      </a:t>
+            </a:r>
+            <a:r>
+              <a:rPr lang="en-US" dirty="0" err="1" smtClean="0"/>
+              <a:t>PDGFRb</a:t>
+            </a:r>
+            <a:r>
+              <a:rPr lang="en-US" dirty="0" smtClean="0"/>
+              <a:t>      UEA1</a:t>
+            </a:r>
+            <a:endParaRPr lang="en-US" dirty="0"/>
+          </a:p>
+        </p:txBody>
+      </p:sp>
     </p:spTree>
   </p:cSld>
   <p:clrMapOvr>
@@ -4385,44 +4425,6 @@
           </a:ln>
         </p:spPr>
       </p:pic>
-      <p:sp>
-        <p:nvSpPr>
-          <p:cNvPr id="5" name="TextBox 4"/>
-          <p:cNvSpPr txBox="1"/>
-          <p:nvPr/>
-        </p:nvSpPr>
-        <p:spPr>
-          <a:xfrm>
-            <a:off x="-304800" y="0"/>
-            <a:ext cx="9144000" cy="400110"/>
-          </a:xfrm>
-          <a:prstGeom prst="rect">
-            <a:avLst/>
-          </a:prstGeom>
-          <a:noFill/>
-        </p:spPr>
-        <p:txBody>
-          <a:bodyPr wrap="square" rtlCol="0">
-            <a:spAutoFit/>
-          </a:bodyPr>
-          <a:lstStyle/>
-          <a:p>
-            <a:r>
-              <a:rPr lang="en-US" sz="2000" dirty="0" smtClean="0"/>
-              <a:t>       CD11c  CD25  CD31  CD205  Claud5  Claud34  Foxp3  K5  K14  </a:t>
-            </a:r>
-            <a:r>
-              <a:rPr lang="en-US" sz="2000" dirty="0" err="1" smtClean="0"/>
-              <a:t>PDGFRb</a:t>
-            </a:r>
-            <a:r>
-              <a:rPr lang="en-US" sz="2000" dirty="0" smtClean="0"/>
-              <a:t>  UEA1</a:t>
-            </a:r>
-            <a:endParaRPr lang="en-US" sz="2000" dirty="0"/>
-          </a:p>
-        </p:txBody>
-      </p:sp>
       <p:pic>
         <p:nvPicPr>
           <p:cNvPr id="6" name="Picture 5"/>
@@ -4513,6 +4515,52 @@
           </a:ln>
         </p:spPr>
       </p:pic>
+      <p:sp>
+        <p:nvSpPr>
+          <p:cNvPr id="10" name="TextBox 9"/>
+          <p:cNvSpPr txBox="1"/>
+          <p:nvPr/>
+        </p:nvSpPr>
+        <p:spPr>
+          <a:xfrm>
+            <a:off x="0" y="6412468"/>
+            <a:ext cx="8979831" cy="369332"/>
+          </a:xfrm>
+          <a:prstGeom prst="rect">
+            <a:avLst/>
+          </a:prstGeom>
+          <a:noFill/>
+        </p:spPr>
+        <p:txBody>
+          <a:bodyPr wrap="none" rtlCol="0">
+            <a:spAutoFit/>
+          </a:bodyPr>
+          <a:lstStyle/>
+          <a:p>
+            <a:r>
+              <a:rPr lang="en-US" dirty="0" smtClean="0"/>
+              <a:t>CD11c     CD205     </a:t>
+            </a:r>
+            <a:r>
+              <a:rPr lang="en-US" dirty="0" smtClean="0"/>
+              <a:t>CD25     CD31      </a:t>
+            </a:r>
+            <a:r>
+              <a:rPr lang="en-US" dirty="0" smtClean="0"/>
+              <a:t>Claud34    Claud5     Foxp3     K14      K5      </a:t>
+            </a:r>
+            <a:r>
+              <a:rPr lang="en-US" dirty="0" err="1" smtClean="0"/>
+              <a:t>PDGFRb</a:t>
+            </a:r>
+            <a:r>
+              <a:rPr lang="en-US" dirty="0" smtClean="0"/>
+              <a:t>      UEA1</a:t>
+            </a:r>
+            <a:endParaRPr lang="en-US" dirty="0"/>
+          </a:p>
+        </p:txBody>
+      </p:sp>
     </p:spTree>
   </p:cSld>
   <p:clrMapOvr>
@@ -4635,44 +4683,6 @@
           </a:ln>
         </p:spPr>
       </p:pic>
-      <p:sp>
-        <p:nvSpPr>
-          <p:cNvPr id="5" name="TextBox 4"/>
-          <p:cNvSpPr txBox="1"/>
-          <p:nvPr/>
-        </p:nvSpPr>
-        <p:spPr>
-          <a:xfrm>
-            <a:off x="-304800" y="0"/>
-            <a:ext cx="9144000" cy="400110"/>
-          </a:xfrm>
-          <a:prstGeom prst="rect">
-            <a:avLst/>
-          </a:prstGeom>
-          <a:noFill/>
-        </p:spPr>
-        <p:txBody>
-          <a:bodyPr wrap="square" rtlCol="0">
-            <a:spAutoFit/>
-          </a:bodyPr>
-          <a:lstStyle/>
-          <a:p>
-            <a:r>
-              <a:rPr lang="en-US" sz="2000" dirty="0" smtClean="0"/>
-              <a:t>       CD11c  CD25  CD31  CD205  Claud5  Claud34  Foxp3  K5  K14  </a:t>
-            </a:r>
-            <a:r>
-              <a:rPr lang="en-US" sz="2000" dirty="0" err="1" smtClean="0"/>
-              <a:t>PDGFRb</a:t>
-            </a:r>
-            <a:r>
-              <a:rPr lang="en-US" sz="2000" dirty="0" smtClean="0"/>
-              <a:t>  UEA1</a:t>
-            </a:r>
-            <a:endParaRPr lang="en-US" sz="2000" dirty="0"/>
-          </a:p>
-        </p:txBody>
-      </p:sp>
       <p:pic>
         <p:nvPicPr>
           <p:cNvPr id="6" name="Picture 5"/>
@@ -4763,6 +4773,52 @@
           </a:ln>
         </p:spPr>
       </p:pic>
+      <p:sp>
+        <p:nvSpPr>
+          <p:cNvPr id="10" name="TextBox 9"/>
+          <p:cNvSpPr txBox="1"/>
+          <p:nvPr/>
+        </p:nvSpPr>
+        <p:spPr>
+          <a:xfrm>
+            <a:off x="0" y="6412468"/>
+            <a:ext cx="8979831" cy="369332"/>
+          </a:xfrm>
+          <a:prstGeom prst="rect">
+            <a:avLst/>
+          </a:prstGeom>
+          <a:noFill/>
+        </p:spPr>
+        <p:txBody>
+          <a:bodyPr wrap="none" rtlCol="0">
+            <a:spAutoFit/>
+          </a:bodyPr>
+          <a:lstStyle/>
+          <a:p>
+            <a:r>
+              <a:rPr lang="en-US" dirty="0" smtClean="0"/>
+              <a:t>CD11c     CD205     </a:t>
+            </a:r>
+            <a:r>
+              <a:rPr lang="en-US" dirty="0" smtClean="0"/>
+              <a:t>CD25     CD31      </a:t>
+            </a:r>
+            <a:r>
+              <a:rPr lang="en-US" dirty="0" smtClean="0"/>
+              <a:t>Claud34    Claud5     Foxp3     K14      K5      </a:t>
+            </a:r>
+            <a:r>
+              <a:rPr lang="en-US" dirty="0" err="1" smtClean="0"/>
+              <a:t>PDGFRb</a:t>
+            </a:r>
+            <a:r>
+              <a:rPr lang="en-US" dirty="0" smtClean="0"/>
+              <a:t>      UEA1</a:t>
+            </a:r>
+            <a:endParaRPr lang="en-US" dirty="0"/>
+          </a:p>
+        </p:txBody>
+      </p:sp>
     </p:spTree>
   </p:cSld>
   <p:clrMapOvr>
@@ -4918,15 +4974,7 @@
                   <a:schemeClr val="bg1"/>
                 </a:solidFill>
               </a:rPr>
-              <a:t>  </a:t>
-            </a:r>
-            <a:r>
-              <a:rPr lang="en-US" dirty="0" smtClean="0">
-                <a:solidFill>
-                  <a:schemeClr val="bg1"/>
-                </a:solidFill>
-              </a:rPr>
-              <a:t>Cortex    Outer  </a:t>
+              <a:t>  Cortex    Outer  </a:t>
             </a:r>
             <a:r>
               <a:rPr lang="en-US" dirty="0" err="1" smtClean="0">
@@ -4942,15 +4990,7 @@
                   <a:schemeClr val="bg1"/>
                 </a:solidFill>
               </a:rPr>
-              <a:t>     </a:t>
-            </a:r>
-            <a:r>
-              <a:rPr lang="en-US" dirty="0" smtClean="0">
-                <a:solidFill>
-                  <a:schemeClr val="bg1"/>
-                </a:solidFill>
-              </a:rPr>
-              <a:t>M        Outer      M      Cortex  </a:t>
+              <a:t>     M        Outer      M      Cortex  </a:t>
             </a:r>
             <a:r>
               <a:rPr lang="en-US" dirty="0" err="1" smtClean="0">
@@ -5161,11 +5201,7 @@
             </a:r>
             <a:r>
               <a:rPr lang="en-US" sz="1200" smtClean="0"/>
-              <a:t>S1M         </a:t>
-            </a:r>
-            <a:r>
-              <a:rPr lang="en-US" sz="1200" smtClean="0"/>
-              <a:t>S2M                  </a:t>
+              <a:t>S1M         S2M                  </a:t>
             </a:r>
             <a:r>
               <a:rPr lang="en-US" sz="1200" dirty="0" smtClean="0"/>
@@ -5173,15 +5209,7 @@
             </a:r>
             <a:r>
               <a:rPr lang="en-US" sz="1200" smtClean="0"/>
-              <a:t>S3Cortex  </a:t>
-            </a:r>
-            <a:r>
-              <a:rPr lang="en-US" sz="1200" smtClean="0"/>
-              <a:t>S1Cortex </a:t>
-            </a:r>
-            <a:r>
-              <a:rPr lang="en-US" sz="1200" smtClean="0"/>
-              <a:t>S2Cortex</a:t>
+              <a:t>S3Cortex  S1Cortex S2Cortex</a:t>
             </a:r>
             <a:endParaRPr lang="en-US" sz="1200" dirty="0"/>
           </a:p>
